--- a/НИР зима 2023/Величкина_АС.pptx
+++ b/НИР зима 2023/Величкина_АС.pptx
@@ -226,7 +226,7 @@
           <a:p>
             <a:fld id="{E9748C02-2D24-4FAF-AB42-F263878AF90D}" type="datetimeFigureOut">
               <a:rPr lang="ru-RU" smtClean="0"/>
-              <a:t>01.02.2023</a:t>
+              <a:t>31.05.2024</a:t>
             </a:fld>
             <a:endParaRPr lang="ru-RU"/>
           </a:p>
@@ -717,7 +717,7 @@
             </a:pPr>
             <a:fld id="{2970A7B2-7D57-40DC-8216-B4EE1B15B56D}" type="datetime1">
               <a:rPr lang="ru-RU"/>
-              <a:t>01.02.2023</a:t>
+              <a:t>31.05.2024</a:t>
             </a:fld>
             <a:endParaRPr lang="ru-RU"/>
           </a:p>
@@ -908,7 +908,7 @@
             </a:pPr>
             <a:fld id="{7F0E4BB8-E49A-4BE4-9406-2DB15F7DD062}" type="datetime1">
               <a:rPr lang="ru-RU"/>
-              <a:t>01.02.2023</a:t>
+              <a:t>31.05.2024</a:t>
             </a:fld>
             <a:endParaRPr lang="ru-RU"/>
           </a:p>
@@ -1109,7 +1109,7 @@
             </a:pPr>
             <a:fld id="{7A39AAB0-4C41-4860-9792-27F13EE1E2F7}" type="datetime1">
               <a:rPr lang="ru-RU"/>
-              <a:t>01.02.2023</a:t>
+              <a:t>31.05.2024</a:t>
             </a:fld>
             <a:endParaRPr lang="ru-RU"/>
           </a:p>
@@ -1309,7 +1309,7 @@
             </a:pPr>
             <a:fld id="{1E914C27-27C5-43A7-823A-492974ED283F}" type="datetime1">
               <a:rPr lang="ru-RU"/>
-              <a:t>01.02.2023</a:t>
+              <a:t>31.05.2024</a:t>
             </a:fld>
             <a:endParaRPr lang="ru-RU"/>
           </a:p>
@@ -1578,7 +1578,7 @@
             </a:pPr>
             <a:fld id="{6ED73E01-A200-4AB7-A5C8-6C8845C0D9D0}" type="datetime1">
               <a:rPr lang="ru-RU"/>
-              <a:t>01.02.2023</a:t>
+              <a:t>31.05.2024</a:t>
             </a:fld>
             <a:endParaRPr lang="ru-RU"/>
           </a:p>
@@ -1845,7 +1845,7 @@
             </a:pPr>
             <a:fld id="{947F3AED-D4D0-4ABF-8220-1FF201FFD9F9}" type="datetime1">
               <a:rPr lang="ru-RU"/>
-              <a:t>01.02.2023</a:t>
+              <a:t>31.05.2024</a:t>
             </a:fld>
             <a:endParaRPr lang="ru-RU"/>
           </a:p>
@@ -2253,7 +2253,7 @@
             </a:pPr>
             <a:fld id="{7EC8DC9B-8FD4-4C3E-B9B0-5A3F2475A751}" type="datetime1">
               <a:rPr lang="ru-RU"/>
-              <a:t>01.02.2023</a:t>
+              <a:t>31.05.2024</a:t>
             </a:fld>
             <a:endParaRPr lang="ru-RU"/>
           </a:p>
@@ -2378,7 +2378,7 @@
             </a:pPr>
             <a:fld id="{4E787434-0B19-467C-B3E0-A1688F1A2CE4}" type="datetime1">
               <a:rPr lang="ru-RU"/>
-              <a:t>01.02.2023</a:t>
+              <a:t>31.05.2024</a:t>
             </a:fld>
             <a:endParaRPr lang="ru-RU"/>
           </a:p>
@@ -2477,7 +2477,7 @@
             </a:pPr>
             <a:fld id="{8E74B296-5767-4A18-890C-0A42C735E6AF}" type="datetime1">
               <a:rPr lang="ru-RU"/>
-              <a:t>01.02.2023</a:t>
+              <a:t>31.05.2024</a:t>
             </a:fld>
             <a:endParaRPr lang="ru-RU"/>
           </a:p>
@@ -2778,7 +2778,7 @@
             </a:pPr>
             <a:fld id="{B2DD62EC-31C0-4510-A4D3-CB203413605F}" type="datetime1">
               <a:rPr lang="ru-RU"/>
-              <a:t>01.02.2023</a:t>
+              <a:t>31.05.2024</a:t>
             </a:fld>
             <a:endParaRPr lang="ru-RU"/>
           </a:p>
@@ -3044,7 +3044,7 @@
             </a:pPr>
             <a:fld id="{D185A88D-8A79-4CE9-94EB-F042D55AFB2E}" type="datetime1">
               <a:rPr lang="ru-RU"/>
-              <a:t>01.02.2023</a:t>
+              <a:t>31.05.2024</a:t>
             </a:fld>
             <a:endParaRPr lang="ru-RU"/>
           </a:p>
@@ -3278,7 +3278,7 @@
             </a:pPr>
             <a:fld id="{8EBE3FCA-2AC8-4DBA-B617-FD35CCD1F415}" type="datetime1">
               <a:rPr lang="ru-RU"/>
-              <a:t>01.02.2023</a:t>
+              <a:t>31.05.2024</a:t>
             </a:fld>
             <a:endParaRPr lang="ru-RU"/>
           </a:p>
@@ -6133,7 +6133,7 @@
           <a:graphicData uri="http://schemas.openxmlformats.org/presentationml/2006/ole">
             <mc:AlternateContent xmlns:mc="http://schemas.openxmlformats.org/markup-compatibility/2006">
               <mc:Choice xmlns:v="urn:schemas-microsoft-com:vml" Requires="v">
-                <p:oleObj spid="_x0000_s1039" name="Document" r:id="rId4" imgW="5938880" imgH="2994093" progId="Word.Document.12">
+                <p:oleObj spid="_x0000_s1040" name="Document" r:id="rId4" imgW="5938880" imgH="2994093" progId="Word.Document.12">
                   <p:embed/>
                 </p:oleObj>
               </mc:Choice>
